--- a/DsDotNet/src/Info/DSInfo.pptx
+++ b/DsDotNet/src/Info/DSInfo.pptx
@@ -1342,7 +1342,7 @@
           <a:p>
             <a:fld id="{CC3FA525-01CC-4703-AF95-C38E8CF99B33}" type="datetimeFigureOut">
               <a:rPr lang="ko-KR" altLang="en-US" smtClean="0"/>
-              <a:t>2023-10-17</a:t>
+              <a:t>2023-10-18</a:t>
             </a:fld>
             <a:endParaRPr lang="ko-KR" altLang="en-US"/>
           </a:p>
@@ -1540,7 +1540,7 @@
           <a:p>
             <a:fld id="{CC3FA525-01CC-4703-AF95-C38E8CF99B33}" type="datetimeFigureOut">
               <a:rPr lang="ko-KR" altLang="en-US" smtClean="0"/>
-              <a:t>2023-10-17</a:t>
+              <a:t>2023-10-18</a:t>
             </a:fld>
             <a:endParaRPr lang="ko-KR" altLang="en-US"/>
           </a:p>
@@ -1748,7 +1748,7 @@
           <a:p>
             <a:fld id="{CC3FA525-01CC-4703-AF95-C38E8CF99B33}" type="datetimeFigureOut">
               <a:rPr lang="ko-KR" altLang="en-US" smtClean="0"/>
-              <a:t>2023-10-17</a:t>
+              <a:t>2023-10-18</a:t>
             </a:fld>
             <a:endParaRPr lang="ko-KR" altLang="en-US"/>
           </a:p>
@@ -1946,7 +1946,7 @@
           <a:p>
             <a:fld id="{CC3FA525-01CC-4703-AF95-C38E8CF99B33}" type="datetimeFigureOut">
               <a:rPr lang="ko-KR" altLang="en-US" smtClean="0"/>
-              <a:t>2023-10-17</a:t>
+              <a:t>2023-10-18</a:t>
             </a:fld>
             <a:endParaRPr lang="ko-KR" altLang="en-US"/>
           </a:p>
@@ -2221,7 +2221,7 @@
           <a:p>
             <a:fld id="{CC3FA525-01CC-4703-AF95-C38E8CF99B33}" type="datetimeFigureOut">
               <a:rPr lang="ko-KR" altLang="en-US" smtClean="0"/>
-              <a:t>2023-10-17</a:t>
+              <a:t>2023-10-18</a:t>
             </a:fld>
             <a:endParaRPr lang="ko-KR" altLang="en-US"/>
           </a:p>
@@ -2486,7 +2486,7 @@
           <a:p>
             <a:fld id="{CC3FA525-01CC-4703-AF95-C38E8CF99B33}" type="datetimeFigureOut">
               <a:rPr lang="ko-KR" altLang="en-US" smtClean="0"/>
-              <a:t>2023-10-17</a:t>
+              <a:t>2023-10-18</a:t>
             </a:fld>
             <a:endParaRPr lang="ko-KR" altLang="en-US"/>
           </a:p>
@@ -2898,7 +2898,7 @@
           <a:p>
             <a:fld id="{CC3FA525-01CC-4703-AF95-C38E8CF99B33}" type="datetimeFigureOut">
               <a:rPr lang="ko-KR" altLang="en-US" smtClean="0"/>
-              <a:t>2023-10-17</a:t>
+              <a:t>2023-10-18</a:t>
             </a:fld>
             <a:endParaRPr lang="ko-KR" altLang="en-US"/>
           </a:p>
@@ -3039,7 +3039,7 @@
           <a:p>
             <a:fld id="{CC3FA525-01CC-4703-AF95-C38E8CF99B33}" type="datetimeFigureOut">
               <a:rPr lang="ko-KR" altLang="en-US" smtClean="0"/>
-              <a:t>2023-10-17</a:t>
+              <a:t>2023-10-18</a:t>
             </a:fld>
             <a:endParaRPr lang="ko-KR" altLang="en-US"/>
           </a:p>
@@ -3152,7 +3152,7 @@
           <a:p>
             <a:fld id="{CC3FA525-01CC-4703-AF95-C38E8CF99B33}" type="datetimeFigureOut">
               <a:rPr lang="ko-KR" altLang="en-US" smtClean="0"/>
-              <a:t>2023-10-17</a:t>
+              <a:t>2023-10-18</a:t>
             </a:fld>
             <a:endParaRPr lang="ko-KR" altLang="en-US"/>
           </a:p>
@@ -3463,7 +3463,7 @@
           <a:p>
             <a:fld id="{CC3FA525-01CC-4703-AF95-C38E8CF99B33}" type="datetimeFigureOut">
               <a:rPr lang="ko-KR" altLang="en-US" smtClean="0"/>
-              <a:t>2023-10-17</a:t>
+              <a:t>2023-10-18</a:t>
             </a:fld>
             <a:endParaRPr lang="ko-KR" altLang="en-US"/>
           </a:p>
@@ -3751,7 +3751,7 @@
           <a:p>
             <a:fld id="{CC3FA525-01CC-4703-AF95-C38E8CF99B33}" type="datetimeFigureOut">
               <a:rPr lang="ko-KR" altLang="en-US" smtClean="0"/>
-              <a:t>2023-10-17</a:t>
+              <a:t>2023-10-18</a:t>
             </a:fld>
             <a:endParaRPr lang="ko-KR" altLang="en-US"/>
           </a:p>
@@ -3992,7 +3992,7 @@
           <a:p>
             <a:fld id="{CC3FA525-01CC-4703-AF95-C38E8CF99B33}" type="datetimeFigureOut">
               <a:rPr lang="ko-KR" altLang="en-US" smtClean="0"/>
-              <a:t>2023-10-17</a:t>
+              <a:t>2023-10-18</a:t>
             </a:fld>
             <a:endParaRPr lang="ko-KR" altLang="en-US"/>
           </a:p>
@@ -4431,10 +4431,10 @@
           <a:lstStyle/>
           <a:p>
             <a:r>
-              <a:rPr lang="en-US" altLang="ko-KR"/>
-              <a:t>DSInfoV1</a:t>
-            </a:r>
-            <a:endParaRPr lang="ko-KR" altLang="en-US"/>
+              <a:rPr lang="en-US" altLang="ko-KR" dirty="0"/>
+              <a:t>DSInfoV2</a:t>
+            </a:r>
+            <a:endParaRPr lang="ko-KR" altLang="en-US" dirty="0"/>
           </a:p>
         </p:txBody>
       </p:sp>
@@ -4541,14 +4541,14 @@
             <p:ph idx="1"/>
             <p:extLst>
               <p:ext uri="{D42A27DB-BD31-4B8C-83A1-F6EECF244321}">
-                <p14:modId xmlns:p14="http://schemas.microsoft.com/office/powerpoint/2010/main" val="2257490926"/>
+                <p14:modId xmlns:p14="http://schemas.microsoft.com/office/powerpoint/2010/main" val="2401799151"/>
               </p:ext>
             </p:extLst>
           </p:nvPr>
         </p:nvGraphicFramePr>
         <p:xfrm>
           <a:off x="400050" y="1597981"/>
-          <a:ext cx="10953747" cy="5050464"/>
+          <a:ext cx="10953747" cy="5006946"/>
         </p:xfrm>
         <a:graphic>
           <a:graphicData uri="http://schemas.openxmlformats.org/drawingml/2006/table">
@@ -4607,7 +4607,7 @@
                   </a:extLst>
                 </a:gridCol>
               </a:tblGrid>
-              <a:tr h="420872">
+              <a:tr h="357639">
                 <a:tc>
                   <a:txBody>
                     <a:bodyPr/>
@@ -4711,18 +4711,18 @@
                   </a:ext>
                 </a:extLst>
               </a:tr>
-              <a:tr h="420872">
-                <a:tc rowSpan="8">
+              <a:tr h="357639">
+                <a:tc rowSpan="9">
                   <a:txBody>
                     <a:bodyPr/>
                     <a:lstStyle/>
                     <a:p>
                       <a:pPr algn="ctr" latinLnBrk="1"/>
                       <a:r>
-                        <a:rPr lang="ko-KR" altLang="en-US" sz="1600"/>
+                        <a:rPr lang="ko-KR" altLang="en-US" sz="1600" dirty="0"/>
                         <a:t>시간</a:t>
                       </a:r>
-                      <a:endParaRPr lang="en-US" altLang="ko-KR" sz="1600"/>
+                      <a:endParaRPr lang="en-US" altLang="ko-KR" sz="1600" dirty="0"/>
                     </a:p>
                   </a:txBody>
                   <a:tcPr anchor="ctr"/>
@@ -4811,7 +4811,7 @@
                   </a:ext>
                 </a:extLst>
               </a:tr>
-              <a:tr h="420872">
+              <a:tr h="357639">
                 <a:tc vMerge="1">
                   <a:txBody>
                     <a:bodyPr/>
@@ -4830,7 +4830,7 @@
                     <a:p>
                       <a:pPr algn="ctr" latinLnBrk="1"/>
                       <a:r>
-                        <a:rPr lang="ko-KR" altLang="en-US" sz="1600"/>
+                        <a:rPr lang="ko-KR" altLang="en-US" sz="1600" dirty="0"/>
                         <a:t>가동 평균</a:t>
                       </a:r>
                     </a:p>
@@ -4946,7 +4946,7 @@
                   </a:ext>
                 </a:extLst>
               </a:tr>
-              <a:tr h="420872">
+              <a:tr h="357639">
                 <a:tc vMerge="1">
                   <a:txBody>
                     <a:bodyPr/>
@@ -4997,7 +4997,7 @@
                         <a:defRPr/>
                       </a:pPr>
                       <a:r>
-                        <a:rPr lang="ko-KR" altLang="en-US" sz="1600"/>
+                        <a:rPr lang="ko-KR" altLang="en-US" sz="1600" dirty="0"/>
                         <a:t>비가동</a:t>
                       </a:r>
                     </a:p>
@@ -5073,7 +5073,7 @@
                   </a:ext>
                 </a:extLst>
               </a:tr>
-              <a:tr h="420872">
+              <a:tr h="357639">
                 <a:tc vMerge="1">
                   <a:txBody>
                     <a:bodyPr/>
@@ -5168,7 +5168,7 @@
                   </a:ext>
                 </a:extLst>
               </a:tr>
-              <a:tr h="420872">
+              <a:tr h="357639">
                 <a:tc vMerge="1">
                   <a:txBody>
                     <a:bodyPr/>
@@ -5263,7 +5263,7 @@
                   </a:ext>
                 </a:extLst>
               </a:tr>
-              <a:tr h="420872">
+              <a:tr h="357639">
                 <a:tc vMerge="1">
                   <a:txBody>
                     <a:bodyPr/>
@@ -5386,7 +5386,7 @@
                   </a:ext>
                 </a:extLst>
               </a:tr>
-              <a:tr h="420872">
+              <a:tr h="357639">
                 <a:tc vMerge="1">
                   <a:txBody>
                     <a:bodyPr/>
@@ -5405,22 +5405,22 @@
                     <a:p>
                       <a:pPr algn="ctr" latinLnBrk="1"/>
                       <a:r>
-                        <a:rPr lang="ko-KR" altLang="en-US" sz="1600"/>
+                        <a:rPr lang="ko-KR" altLang="en-US" sz="1600" dirty="0"/>
                         <a:t>평균 교체</a:t>
                       </a:r>
                       <a:r>
-                        <a:rPr lang="en-US" altLang="ko-KR" sz="1600"/>
+                        <a:rPr lang="en-US" altLang="ko-KR" sz="1600" dirty="0"/>
                         <a:t>(</a:t>
                       </a:r>
                       <a:r>
-                        <a:rPr lang="ko-KR" altLang="en-US" sz="1600"/>
+                        <a:rPr lang="ko-KR" altLang="en-US" sz="1600" dirty="0"/>
                         <a:t>수명</a:t>
                       </a:r>
                       <a:r>
-                        <a:rPr lang="en-US" altLang="ko-KR" sz="1600"/>
+                        <a:rPr lang="en-US" altLang="ko-KR" sz="1600" dirty="0"/>
                         <a:t>)</a:t>
                       </a:r>
-                      <a:endParaRPr lang="ko-KR" altLang="en-US" sz="1600"/>
+                      <a:endParaRPr lang="ko-KR" altLang="en-US" sz="1600" dirty="0"/>
                     </a:p>
                   </a:txBody>
                   <a:tcPr anchor="ctr"/>
@@ -5538,7 +5538,7 @@
                   </a:ext>
                 </a:extLst>
               </a:tr>
-              <a:tr h="420872">
+              <a:tr h="357639">
                 <a:tc vMerge="1">
                   <a:txBody>
                     <a:bodyPr/>
@@ -5557,7 +5557,7 @@
                     <a:p>
                       <a:pPr algn="ctr" latinLnBrk="1"/>
                       <a:r>
-                        <a:rPr lang="ko-KR" altLang="en-US" sz="1600"/>
+                        <a:rPr lang="ko-KR" altLang="en-US" sz="1600" dirty="0"/>
                         <a:t>가동 편차</a:t>
                       </a:r>
                     </a:p>
@@ -5661,15 +5661,142 @@
                   </a:ext>
                 </a:extLst>
               </a:tr>
-              <a:tr h="420872">
-                <a:tc rowSpan="3">
+              <a:tr h="357639">
+                <a:tc vMerge="1">
+                  <a:txBody>
+                    <a:bodyPr/>
+                    <a:lstStyle/>
+                    <a:p>
+                      <a:pPr algn="ctr" latinLnBrk="1"/>
+                      <a:endParaRPr lang="en-US" altLang="ko-KR" sz="1600" dirty="0"/>
+                    </a:p>
+                  </a:txBody>
+                  <a:tcPr anchor="ctr"/>
+                </a:tc>
+                <a:tc>
                   <a:txBody>
                     <a:bodyPr/>
                     <a:lstStyle/>
                     <a:p>
                       <a:pPr algn="ctr" latinLnBrk="1"/>
                       <a:r>
-                        <a:rPr lang="ko-KR" altLang="en-US" sz="1600"/>
+                        <a:rPr lang="ko-KR" altLang="en-US" sz="1600" dirty="0"/>
+                        <a:t>리드타임</a:t>
+                      </a:r>
+                    </a:p>
+                  </a:txBody>
+                  <a:tcPr anchor="ctr"/>
+                </a:tc>
+                <a:tc>
+                  <a:txBody>
+                    <a:bodyPr/>
+                    <a:lstStyle/>
+                    <a:p>
+                      <a:pPr algn="ctr" latinLnBrk="1"/>
+                      <a:r>
+                        <a:rPr lang="en-US" altLang="ko-KR" sz="1600" dirty="0"/>
+                        <a:t>O</a:t>
+                      </a:r>
+                      <a:endParaRPr lang="ko-KR" altLang="en-US" sz="1600" dirty="0"/>
+                    </a:p>
+                  </a:txBody>
+                  <a:tcPr anchor="ctr"/>
+                </a:tc>
+                <a:tc>
+                  <a:txBody>
+                    <a:bodyPr/>
+                    <a:lstStyle/>
+                    <a:p>
+                      <a:pPr algn="ctr" latinLnBrk="1"/>
+                      <a:r>
+                        <a:rPr lang="en-US" altLang="ko-KR" sz="1600" dirty="0"/>
+                        <a:t>O</a:t>
+                      </a:r>
+                      <a:endParaRPr lang="ko-KR" altLang="en-US" sz="1600" dirty="0"/>
+                    </a:p>
+                  </a:txBody>
+                  <a:tcPr anchor="ctr"/>
+                </a:tc>
+                <a:tc>
+                  <a:txBody>
+                    <a:bodyPr/>
+                    <a:lstStyle/>
+                    <a:p>
+                      <a:pPr marL="0" marR="0" lvl="0" indent="0" algn="ctr" defTabSz="914400" rtl="0" eaLnBrk="1" fontAlgn="auto" latinLnBrk="1" hangingPunct="1">
+                        <a:lnSpc>
+                          <a:spcPct val="100000"/>
+                        </a:lnSpc>
+                        <a:spcBef>
+                          <a:spcPts val="0"/>
+                        </a:spcBef>
+                        <a:spcAft>
+                          <a:spcPts val="0"/>
+                        </a:spcAft>
+                        <a:buClrTx/>
+                        <a:buSzTx/>
+                        <a:buFontTx/>
+                        <a:buNone/>
+                        <a:tabLst/>
+                        <a:defRPr/>
+                      </a:pPr>
+                      <a:endParaRPr lang="ko-KR" altLang="en-US" sz="1600" dirty="0"/>
+                    </a:p>
+                  </a:txBody>
+                  <a:tcPr anchor="ctr"/>
+                </a:tc>
+                <a:tc>
+                  <a:txBody>
+                    <a:bodyPr/>
+                    <a:lstStyle/>
+                    <a:p>
+                      <a:pPr marL="0" marR="0" lvl="0" indent="0" algn="ctr" defTabSz="914400" rtl="0" eaLnBrk="1" fontAlgn="auto" latinLnBrk="1" hangingPunct="1">
+                        <a:lnSpc>
+                          <a:spcPct val="100000"/>
+                        </a:lnSpc>
+                        <a:spcBef>
+                          <a:spcPts val="0"/>
+                        </a:spcBef>
+                        <a:spcAft>
+                          <a:spcPts val="0"/>
+                        </a:spcAft>
+                        <a:buClrTx/>
+                        <a:buSzTx/>
+                        <a:buFontTx/>
+                        <a:buNone/>
+                        <a:tabLst/>
+                        <a:defRPr/>
+                      </a:pPr>
+                      <a:endParaRPr lang="ko-KR" altLang="en-US" sz="1600" dirty="0"/>
+                    </a:p>
+                  </a:txBody>
+                  <a:tcPr anchor="ctr"/>
+                </a:tc>
+                <a:tc>
+                  <a:txBody>
+                    <a:bodyPr/>
+                    <a:lstStyle/>
+                    <a:p>
+                      <a:pPr algn="ctr" latinLnBrk="1"/>
+                      <a:endParaRPr lang="ko-KR" altLang="en-US" sz="1600" dirty="0"/>
+                    </a:p>
+                  </a:txBody>
+                  <a:tcPr anchor="ctr"/>
+                </a:tc>
+                <a:extLst>
+                  <a:ext uri="{0D108BD9-81ED-4DB2-BD59-A6C34878D82A}">
+                    <a16:rowId xmlns:a16="http://schemas.microsoft.com/office/drawing/2014/main" val="4188371862"/>
+                  </a:ext>
+                </a:extLst>
+              </a:tr>
+              <a:tr h="357639">
+                <a:tc rowSpan="4">
+                  <a:txBody>
+                    <a:bodyPr/>
+                    <a:lstStyle/>
+                    <a:p>
+                      <a:pPr algn="ctr" latinLnBrk="1"/>
+                      <a:r>
+                        <a:rPr lang="ko-KR" altLang="en-US" sz="1600" dirty="0"/>
                         <a:t>비시간</a:t>
                       </a:r>
                     </a:p>
@@ -5803,7 +5930,7 @@
                   </a:ext>
                 </a:extLst>
               </a:tr>
-              <a:tr h="420872">
+              <a:tr h="357639">
                 <a:tc vMerge="1">
                   <a:txBody>
                     <a:bodyPr/>
@@ -5870,6 +5997,37 @@
                         <a:t>O</a:t>
                       </a:r>
                       <a:endParaRPr lang="ko-KR" altLang="en-US" sz="1600"/>
+                    </a:p>
+                  </a:txBody>
+                  <a:tcPr anchor="ctr"/>
+                </a:tc>
+                <a:tc>
+                  <a:txBody>
+                    <a:bodyPr/>
+                    <a:lstStyle/>
+                    <a:p>
+                      <a:pPr marL="0" marR="0" lvl="0" indent="0" algn="ctr" defTabSz="914400" rtl="0" eaLnBrk="1" fontAlgn="auto" latinLnBrk="1" hangingPunct="1">
+                        <a:lnSpc>
+                          <a:spcPct val="100000"/>
+                        </a:lnSpc>
+                        <a:spcBef>
+                          <a:spcPts val="0"/>
+                        </a:spcBef>
+                        <a:spcAft>
+                          <a:spcPts val="0"/>
+                        </a:spcAft>
+                        <a:buClrTx/>
+                        <a:buSzTx/>
+                        <a:buFontTx/>
+                        <a:buNone/>
+                        <a:tabLst/>
+                        <a:defRPr/>
+                      </a:pPr>
+                      <a:r>
+                        <a:rPr lang="en-US" altLang="ko-KR" sz="1600" dirty="0"/>
+                        <a:t>O</a:t>
+                      </a:r>
+                      <a:endParaRPr lang="ko-KR" altLang="en-US" sz="1600" dirty="0"/>
                     </a:p>
                   </a:txBody>
                   <a:tcPr anchor="ctr"/>
@@ -5905,6 +6063,202 @@
                   </a:txBody>
                   <a:tcPr anchor="ctr"/>
                 </a:tc>
+                <a:extLst>
+                  <a:ext uri="{0D108BD9-81ED-4DB2-BD59-A6C34878D82A}">
+                    <a16:rowId xmlns:a16="http://schemas.microsoft.com/office/drawing/2014/main" val="3620402948"/>
+                  </a:ext>
+                </a:extLst>
+              </a:tr>
+              <a:tr h="357639">
+                <a:tc vMerge="1">
+                  <a:txBody>
+                    <a:bodyPr/>
+                    <a:lstStyle/>
+                    <a:p>
+                      <a:pPr algn="ctr" latinLnBrk="1"/>
+                      <a:endParaRPr lang="ko-KR" altLang="en-US"/>
+                    </a:p>
+                  </a:txBody>
+                  <a:tcPr/>
+                </a:tc>
+                <a:tc>
+                  <a:txBody>
+                    <a:bodyPr/>
+                    <a:lstStyle/>
+                    <a:p>
+                      <a:pPr algn="ctr" latinLnBrk="1"/>
+                      <a:r>
+                        <a:rPr lang="ko-KR" altLang="en-US" sz="1600" dirty="0"/>
+                        <a:t>멈춤횟수</a:t>
+                      </a:r>
+                    </a:p>
+                  </a:txBody>
+                  <a:tcPr anchor="ctr"/>
+                </a:tc>
+                <a:tc>
+                  <a:txBody>
+                    <a:bodyPr/>
+                    <a:lstStyle/>
+                    <a:p>
+                      <a:pPr algn="ctr" latinLnBrk="1"/>
+                      <a:r>
+                        <a:rPr lang="en-US" altLang="ko-KR" sz="1600"/>
+                        <a:t>O</a:t>
+                      </a:r>
+                      <a:endParaRPr lang="ko-KR" altLang="en-US" sz="1600"/>
+                    </a:p>
+                  </a:txBody>
+                  <a:tcPr anchor="ctr"/>
+                </a:tc>
+                <a:tc>
+                  <a:txBody>
+                    <a:bodyPr/>
+                    <a:lstStyle/>
+                    <a:p>
+                      <a:pPr algn="ctr" latinLnBrk="1"/>
+                      <a:r>
+                        <a:rPr lang="en-US" altLang="ko-KR" sz="1600"/>
+                        <a:t>O</a:t>
+                      </a:r>
+                      <a:endParaRPr lang="ko-KR" altLang="en-US" sz="1600"/>
+                    </a:p>
+                  </a:txBody>
+                  <a:tcPr anchor="ctr"/>
+                </a:tc>
+                <a:tc>
+                  <a:txBody>
+                    <a:bodyPr/>
+                    <a:lstStyle/>
+                    <a:p>
+                      <a:pPr algn="ctr" latinLnBrk="1"/>
+                      <a:endParaRPr lang="ko-KR" altLang="en-US" sz="1600"/>
+                    </a:p>
+                  </a:txBody>
+                  <a:tcPr anchor="ctr"/>
+                </a:tc>
+                <a:tc>
+                  <a:txBody>
+                    <a:bodyPr/>
+                    <a:lstStyle/>
+                    <a:p>
+                      <a:pPr marL="0" marR="0" lvl="0" indent="0" algn="ctr" defTabSz="914400" rtl="0" eaLnBrk="1" fontAlgn="auto" latinLnBrk="1" hangingPunct="1">
+                        <a:lnSpc>
+                          <a:spcPct val="100000"/>
+                        </a:lnSpc>
+                        <a:spcBef>
+                          <a:spcPts val="0"/>
+                        </a:spcBef>
+                        <a:spcAft>
+                          <a:spcPts val="0"/>
+                        </a:spcAft>
+                        <a:buClrTx/>
+                        <a:buSzTx/>
+                        <a:buFontTx/>
+                        <a:buNone/>
+                        <a:tabLst/>
+                        <a:defRPr/>
+                      </a:pPr>
+                      <a:endParaRPr lang="ko-KR" altLang="en-US" sz="1600"/>
+                    </a:p>
+                  </a:txBody>
+                  <a:tcPr anchor="ctr"/>
+                </a:tc>
+                <a:tc>
+                  <a:txBody>
+                    <a:bodyPr/>
+                    <a:lstStyle/>
+                    <a:p>
+                      <a:pPr marL="0" marR="0" lvl="0" indent="0" algn="ctr" defTabSz="914400" rtl="0" eaLnBrk="1" fontAlgn="auto" latinLnBrk="1" hangingPunct="1">
+                        <a:lnSpc>
+                          <a:spcPct val="100000"/>
+                        </a:lnSpc>
+                        <a:spcBef>
+                          <a:spcPts val="0"/>
+                        </a:spcBef>
+                        <a:spcAft>
+                          <a:spcPts val="0"/>
+                        </a:spcAft>
+                        <a:buClrTx/>
+                        <a:buSzTx/>
+                        <a:buFontTx/>
+                        <a:buNone/>
+                        <a:tabLst/>
+                        <a:defRPr/>
+                      </a:pPr>
+                      <a:endParaRPr lang="ko-KR" altLang="en-US" sz="1600" dirty="0"/>
+                    </a:p>
+                  </a:txBody>
+                  <a:tcPr anchor="ctr"/>
+                </a:tc>
+                <a:extLst>
+                  <a:ext uri="{0D108BD9-81ED-4DB2-BD59-A6C34878D82A}">
+                    <a16:rowId xmlns:a16="http://schemas.microsoft.com/office/drawing/2014/main" val="2610634647"/>
+                  </a:ext>
+                </a:extLst>
+              </a:tr>
+              <a:tr h="357639">
+                <a:tc vMerge="1">
+                  <a:txBody>
+                    <a:bodyPr/>
+                    <a:lstStyle/>
+                    <a:p>
+                      <a:pPr algn="ctr" latinLnBrk="1"/>
+                      <a:endParaRPr lang="ko-KR" altLang="en-US" sz="1600" dirty="0"/>
+                    </a:p>
+                  </a:txBody>
+                  <a:tcPr anchor="ctr"/>
+                </a:tc>
+                <a:tc>
+                  <a:txBody>
+                    <a:bodyPr/>
+                    <a:lstStyle/>
+                    <a:p>
+                      <a:pPr algn="ctr" latinLnBrk="1"/>
+                      <a:r>
+                        <a:rPr lang="ko-KR" altLang="en-US" sz="1600" dirty="0"/>
+                        <a:t>동작횟수</a:t>
+                      </a:r>
+                    </a:p>
+                  </a:txBody>
+                  <a:tcPr anchor="ctr"/>
+                </a:tc>
+                <a:tc>
+                  <a:txBody>
+                    <a:bodyPr/>
+                    <a:lstStyle/>
+                    <a:p>
+                      <a:pPr algn="ctr" latinLnBrk="1"/>
+                      <a:endParaRPr lang="ko-KR" altLang="en-US" sz="1600" dirty="0"/>
+                    </a:p>
+                  </a:txBody>
+                  <a:tcPr anchor="ctr"/>
+                </a:tc>
+                <a:tc>
+                  <a:txBody>
+                    <a:bodyPr/>
+                    <a:lstStyle/>
+                    <a:p>
+                      <a:pPr algn="ctr" latinLnBrk="1"/>
+                      <a:endParaRPr lang="ko-KR" altLang="en-US" sz="1600" dirty="0"/>
+                    </a:p>
+                  </a:txBody>
+                  <a:tcPr anchor="ctr"/>
+                </a:tc>
+                <a:tc>
+                  <a:txBody>
+                    <a:bodyPr/>
+                    <a:lstStyle/>
+                    <a:p>
+                      <a:pPr algn="ctr" latinLnBrk="1"/>
+                      <a:r>
+                        <a:rPr lang="en-US" altLang="ko-KR" sz="1600" dirty="0"/>
+                        <a:t>O</a:t>
+                      </a:r>
+                      <a:endParaRPr lang="ko-KR" altLang="en-US" sz="1600" dirty="0"/>
+                    </a:p>
+                  </a:txBody>
+                  <a:tcPr anchor="ctr"/>
+                </a:tc>
                 <a:tc>
                   <a:txBody>
                     <a:bodyPr/>
@@ -5928,83 +6282,10 @@
                         <a:defRPr/>
                       </a:pPr>
                       <a:r>
-                        <a:rPr lang="en-US" altLang="ko-KR" sz="1600"/>
+                        <a:rPr lang="en-US" altLang="ko-KR" sz="1600" dirty="0"/>
                         <a:t>O</a:t>
                       </a:r>
-                      <a:endParaRPr lang="ko-KR" altLang="en-US" sz="1600"/>
-                    </a:p>
-                  </a:txBody>
-                  <a:tcPr anchor="ctr"/>
-                </a:tc>
-                <a:extLst>
-                  <a:ext uri="{0D108BD9-81ED-4DB2-BD59-A6C34878D82A}">
-                    <a16:rowId xmlns:a16="http://schemas.microsoft.com/office/drawing/2014/main" val="3620402948"/>
-                  </a:ext>
-                </a:extLst>
-              </a:tr>
-              <a:tr h="420872">
-                <a:tc vMerge="1">
-                  <a:txBody>
-                    <a:bodyPr/>
-                    <a:lstStyle/>
-                    <a:p>
-                      <a:pPr algn="ctr" latinLnBrk="1"/>
-                      <a:endParaRPr lang="ko-KR" altLang="en-US"/>
-                    </a:p>
-                  </a:txBody>
-                  <a:tcPr/>
-                </a:tc>
-                <a:tc>
-                  <a:txBody>
-                    <a:bodyPr/>
-                    <a:lstStyle/>
-                    <a:p>
-                      <a:pPr algn="ctr" latinLnBrk="1"/>
-                      <a:r>
-                        <a:rPr lang="ko-KR" altLang="en-US" sz="1600"/>
-                        <a:t>멈춤횟수</a:t>
-                      </a:r>
-                    </a:p>
-                  </a:txBody>
-                  <a:tcPr anchor="ctr"/>
-                </a:tc>
-                <a:tc>
-                  <a:txBody>
-                    <a:bodyPr/>
-                    <a:lstStyle/>
-                    <a:p>
-                      <a:pPr algn="ctr" latinLnBrk="1"/>
-                      <a:r>
-                        <a:rPr lang="en-US" altLang="ko-KR" sz="1600"/>
-                        <a:t>O</a:t>
-                      </a:r>
-                      <a:endParaRPr lang="ko-KR" altLang="en-US" sz="1600"/>
-                    </a:p>
-                  </a:txBody>
-                  <a:tcPr anchor="ctr"/>
-                </a:tc>
-                <a:tc>
-                  <a:txBody>
-                    <a:bodyPr/>
-                    <a:lstStyle/>
-                    <a:p>
-                      <a:pPr algn="ctr" latinLnBrk="1"/>
-                      <a:r>
-                        <a:rPr lang="en-US" altLang="ko-KR" sz="1600"/>
-                        <a:t>O</a:t>
-                      </a:r>
-                      <a:endParaRPr lang="ko-KR" altLang="en-US" sz="1600"/>
-                    </a:p>
-                  </a:txBody>
-                  <a:tcPr anchor="ctr"/>
-                </a:tc>
-                <a:tc>
-                  <a:txBody>
-                    <a:bodyPr/>
-                    <a:lstStyle/>
-                    <a:p>
-                      <a:pPr algn="ctr" latinLnBrk="1"/>
-                      <a:endParaRPr lang="ko-KR" altLang="en-US" sz="1600"/>
+                      <a:endParaRPr lang="ko-KR" altLang="en-US" sz="1600" dirty="0"/>
                     </a:p>
                   </a:txBody>
                   <a:tcPr anchor="ctr"/>
@@ -6031,33 +6312,10 @@
                         <a:tabLst/>
                         <a:defRPr/>
                       </a:pPr>
-                      <a:endParaRPr lang="ko-KR" altLang="en-US" sz="1600"/>
-                    </a:p>
-                  </a:txBody>
-                  <a:tcPr anchor="ctr"/>
-                </a:tc>
-                <a:tc>
-                  <a:txBody>
-                    <a:bodyPr/>
-                    <a:lstStyle/>
-                    <a:p>
-                      <a:pPr marL="0" marR="0" lvl="0" indent="0" algn="ctr" defTabSz="914400" rtl="0" eaLnBrk="1" fontAlgn="auto" latinLnBrk="1" hangingPunct="1">
-                        <a:lnSpc>
-                          <a:spcPct val="100000"/>
-                        </a:lnSpc>
-                        <a:spcBef>
-                          <a:spcPts val="0"/>
-                        </a:spcBef>
-                        <a:spcAft>
-                          <a:spcPts val="0"/>
-                        </a:spcAft>
-                        <a:buClrTx/>
-                        <a:buSzTx/>
-                        <a:buFontTx/>
-                        <a:buNone/>
-                        <a:tabLst/>
-                        <a:defRPr/>
-                      </a:pPr>
+                      <a:r>
+                        <a:rPr lang="en-US" altLang="ko-KR" sz="1600" dirty="0"/>
+                        <a:t>O</a:t>
+                      </a:r>
                       <a:endParaRPr lang="ko-KR" altLang="en-US" sz="1600" dirty="0"/>
                     </a:p>
                   </a:txBody>
@@ -6065,7 +6323,7 @@
                 </a:tc>
                 <a:extLst>
                   <a:ext uri="{0D108BD9-81ED-4DB2-BD59-A6C34878D82A}">
-                    <a16:rowId xmlns:a16="http://schemas.microsoft.com/office/drawing/2014/main" val="2610634647"/>
+                    <a16:rowId xmlns:a16="http://schemas.microsoft.com/office/drawing/2014/main" val="3351384905"/>
                   </a:ext>
                 </a:extLst>
               </a:tr>
@@ -6103,35 +6361,6 @@
           <a:chExt cx="0" cy="0"/>
         </a:xfrm>
       </p:grpSpPr>
-      <p:pic>
-        <p:nvPicPr>
-          <p:cNvPr id="5" name="내용 개체 틀 4">
-            <a:extLst>
-              <a:ext uri="{FF2B5EF4-FFF2-40B4-BE49-F238E27FC236}">
-                <a16:creationId xmlns:a16="http://schemas.microsoft.com/office/drawing/2014/main" id="{0019CDF0-778A-0BC1-9198-A2B48EE1F304}"/>
-              </a:ext>
-            </a:extLst>
-          </p:cNvPr>
-          <p:cNvPicPr>
-            <a:picLocks noGrp="1" noChangeAspect="1"/>
-          </p:cNvPicPr>
-          <p:nvPr>
-            <p:ph idx="1"/>
-          </p:nvPr>
-        </p:nvPicPr>
-        <p:blipFill>
-          <a:blip r:embed="rId2"/>
-          <a:stretch>
-            <a:fillRect/>
-          </a:stretch>
-        </p:blipFill>
-        <p:spPr>
-          <a:xfrm>
-            <a:off x="1114971" y="114271"/>
-            <a:ext cx="9626498" cy="2930933"/>
-          </a:xfrm>
-        </p:spPr>
-      </p:pic>
       <p:sp>
         <p:nvSpPr>
           <p:cNvPr id="6" name="직사각형 5">
@@ -6232,10 +6461,275 @@
       </p:sp>
       <p:sp>
         <p:nvSpPr>
-          <p:cNvPr id="8" name="직사각형 7">
-            <a:extLst>
-              <a:ext uri="{FF2B5EF4-FFF2-40B4-BE49-F238E27FC236}">
-                <a16:creationId xmlns:a16="http://schemas.microsoft.com/office/drawing/2014/main" id="{DAC1FC9C-2B1C-F51B-3CA4-7F8C220C85C3}"/>
+          <p:cNvPr id="18" name="TextBox 17">
+            <a:extLst>
+              <a:ext uri="{FF2B5EF4-FFF2-40B4-BE49-F238E27FC236}">
+                <a16:creationId xmlns:a16="http://schemas.microsoft.com/office/drawing/2014/main" id="{69753E61-4136-43D5-A7C2-7F38B18F753A}"/>
+              </a:ext>
+            </a:extLst>
+          </p:cNvPr>
+          <p:cNvSpPr txBox="1"/>
+          <p:nvPr/>
+        </p:nvSpPr>
+        <p:spPr>
+          <a:xfrm>
+            <a:off x="2822369" y="5501356"/>
+            <a:ext cx="8668207" cy="1323439"/>
+          </a:xfrm>
+          <a:prstGeom prst="rect">
+            <a:avLst/>
+          </a:prstGeom>
+          <a:noFill/>
+        </p:spPr>
+        <p:txBody>
+          <a:bodyPr wrap="none" rtlCol="0">
+            <a:spAutoFit/>
+          </a:bodyPr>
+          <a:lstStyle/>
+          <a:p>
+            <a:pPr marL="457200" indent="-457200">
+              <a:buFont typeface="Arial" panose="020B0604020202020204" pitchFamily="34" charset="0"/>
+              <a:buChar char="•"/>
+            </a:pPr>
+            <a:r>
+              <a:rPr lang="ko-KR" altLang="en-US" sz="2000" dirty="0"/>
+              <a:t>평균무고장시간    </a:t>
+            </a:r>
+            <a:r>
+              <a:rPr lang="en-US" altLang="ko-KR" sz="2000" dirty="0"/>
+              <a:t>(MTBF) (5+3) / 2 = 4</a:t>
+            </a:r>
+          </a:p>
+          <a:p>
+            <a:pPr marL="457200" indent="-457200">
+              <a:buFont typeface="Arial" panose="020B0604020202020204" pitchFamily="34" charset="0"/>
+              <a:buChar char="•"/>
+            </a:pPr>
+            <a:r>
+              <a:rPr lang="ko-KR" altLang="en-US" sz="2000" dirty="0"/>
+              <a:t>평균고장시간       </a:t>
+            </a:r>
+            <a:r>
+              <a:rPr lang="en-US" altLang="ko-KR" sz="2000" dirty="0"/>
+              <a:t>(MTTF) (6+5) / 2 = 5.5</a:t>
+            </a:r>
+          </a:p>
+          <a:p>
+            <a:pPr marL="457200" indent="-457200">
+              <a:buFont typeface="Arial" panose="020B0604020202020204" pitchFamily="34" charset="0"/>
+              <a:buChar char="•"/>
+            </a:pPr>
+            <a:r>
+              <a:rPr lang="ko-KR" altLang="en-US" sz="2000" dirty="0"/>
+              <a:t>수리 평균            </a:t>
+            </a:r>
+            <a:r>
+              <a:rPr lang="en-US" altLang="ko-KR" sz="2000" dirty="0"/>
+              <a:t>(MTTR) (1+2) / 2 = 1.5</a:t>
+            </a:r>
+          </a:p>
+          <a:p>
+            <a:pPr marL="457200" indent="-457200">
+              <a:buFont typeface="Arial" panose="020B0604020202020204" pitchFamily="34" charset="0"/>
+              <a:buChar char="•"/>
+            </a:pPr>
+            <a:r>
+              <a:rPr lang="ko-KR" altLang="en-US" sz="2000" dirty="0" err="1"/>
+              <a:t>가용률</a:t>
+            </a:r>
+            <a:r>
+              <a:rPr lang="en-US" altLang="ko-KR" sz="2000" dirty="0"/>
+              <a:t>(</a:t>
+            </a:r>
+            <a:r>
+              <a:rPr lang="ko-KR" altLang="en-US" sz="2000" dirty="0"/>
+              <a:t>가동률</a:t>
+            </a:r>
+            <a:r>
+              <a:rPr lang="en-US" altLang="ko-KR" sz="2000" dirty="0"/>
+              <a:t>)</a:t>
+            </a:r>
+            <a:r>
+              <a:rPr lang="ko-KR" altLang="en-US" sz="2000" dirty="0"/>
+              <a:t> </a:t>
+            </a:r>
+            <a:r>
+              <a:rPr lang="en-US" altLang="ko-KR" sz="2000" dirty="0"/>
+              <a:t>= MTBF / (MTBF + MTTR) = 4 / (4+1.5) = 0.727272… </a:t>
+            </a:r>
+            <a:endParaRPr lang="ko-KR" altLang="en-US" sz="2000" dirty="0"/>
+          </a:p>
+        </p:txBody>
+      </p:sp>
+      <p:sp>
+        <p:nvSpPr>
+          <p:cNvPr id="24" name="양쪽 대괄호 23">
+            <a:extLst>
+              <a:ext uri="{FF2B5EF4-FFF2-40B4-BE49-F238E27FC236}">
+                <a16:creationId xmlns:a16="http://schemas.microsoft.com/office/drawing/2014/main" id="{F0A654B5-B2A5-3734-0F04-B36362B56A4F}"/>
+              </a:ext>
+            </a:extLst>
+          </p:cNvPr>
+          <p:cNvSpPr/>
+          <p:nvPr/>
+        </p:nvSpPr>
+        <p:spPr>
+          <a:xfrm>
+            <a:off x="831849" y="3485315"/>
+            <a:ext cx="5963521" cy="914400"/>
+          </a:xfrm>
+          <a:prstGeom prst="bracketPair">
+            <a:avLst>
+              <a:gd name="adj" fmla="val 0"/>
+            </a:avLst>
+          </a:prstGeom>
+        </p:spPr>
+        <p:style>
+          <a:lnRef idx="1">
+            <a:schemeClr val="accent1"/>
+          </a:lnRef>
+          <a:fillRef idx="0">
+            <a:schemeClr val="accent1"/>
+          </a:fillRef>
+          <a:effectRef idx="0">
+            <a:schemeClr val="accent1"/>
+          </a:effectRef>
+          <a:fontRef idx="minor">
+            <a:schemeClr val="tx1"/>
+          </a:fontRef>
+        </p:style>
+        <p:txBody>
+          <a:bodyPr rtlCol="0" anchor="ctr"/>
+          <a:lstStyle/>
+          <a:p>
+            <a:pPr algn="ctr"/>
+            <a:r>
+              <a:rPr lang="ko-KR" altLang="en-US" dirty="0">
+                <a:highlight>
+                  <a:srgbClr val="FFFF00"/>
+                </a:highlight>
+              </a:rPr>
+              <a:t>조회기간</a:t>
+            </a:r>
+          </a:p>
+        </p:txBody>
+      </p:sp>
+      <p:pic>
+        <p:nvPicPr>
+          <p:cNvPr id="11" name="내용 개체 틀 10">
+            <a:extLst>
+              <a:ext uri="{FF2B5EF4-FFF2-40B4-BE49-F238E27FC236}">
+                <a16:creationId xmlns:a16="http://schemas.microsoft.com/office/drawing/2014/main" id="{C7BAEAEC-A1BE-F36E-DFC6-8E2989183382}"/>
+              </a:ext>
+            </a:extLst>
+          </p:cNvPr>
+          <p:cNvPicPr>
+            <a:picLocks noGrp="1" noChangeAspect="1"/>
+          </p:cNvPicPr>
+          <p:nvPr>
+            <p:ph idx="1"/>
+          </p:nvPr>
+        </p:nvPicPr>
+        <p:blipFill rotWithShape="1">
+          <a:blip r:embed="rId2"/>
+          <a:srcRect b="76211"/>
+          <a:stretch/>
+        </p:blipFill>
+        <p:spPr>
+          <a:xfrm>
+            <a:off x="2677835" y="340981"/>
+            <a:ext cx="6831877" cy="1035127"/>
+          </a:xfrm>
+        </p:spPr>
+      </p:pic>
+      <p:pic>
+        <p:nvPicPr>
+          <p:cNvPr id="12" name="내용 개체 틀 10">
+            <a:extLst>
+              <a:ext uri="{FF2B5EF4-FFF2-40B4-BE49-F238E27FC236}">
+                <a16:creationId xmlns:a16="http://schemas.microsoft.com/office/drawing/2014/main" id="{873CB4CB-E9AC-0E53-466F-2F10A90668E9}"/>
+              </a:ext>
+            </a:extLst>
+          </p:cNvPr>
+          <p:cNvPicPr>
+            <a:picLocks noChangeAspect="1"/>
+          </p:cNvPicPr>
+          <p:nvPr/>
+        </p:nvPicPr>
+        <p:blipFill rotWithShape="1">
+          <a:blip r:embed="rId2"/>
+          <a:srcRect t="22352"/>
+          <a:stretch/>
+        </p:blipFill>
+        <p:spPr>
+          <a:xfrm>
+            <a:off x="2441195" y="1376108"/>
+            <a:ext cx="6831877" cy="1578351"/>
+          </a:xfrm>
+          <a:prstGeom prst="rect">
+            <a:avLst/>
+          </a:prstGeom>
+        </p:spPr>
+      </p:pic>
+      <p:sp>
+        <p:nvSpPr>
+          <p:cNvPr id="13" name="양쪽 대괄호 12">
+            <a:extLst>
+              <a:ext uri="{FF2B5EF4-FFF2-40B4-BE49-F238E27FC236}">
+                <a16:creationId xmlns:a16="http://schemas.microsoft.com/office/drawing/2014/main" id="{D472BF19-9B95-E7CA-7FE1-90D45D42F8E0}"/>
+              </a:ext>
+            </a:extLst>
+          </p:cNvPr>
+          <p:cNvSpPr/>
+          <p:nvPr/>
+        </p:nvSpPr>
+        <p:spPr>
+          <a:xfrm>
+            <a:off x="1728132" y="4464939"/>
+            <a:ext cx="3285899" cy="914400"/>
+          </a:xfrm>
+          <a:prstGeom prst="bracketPair">
+            <a:avLst>
+              <a:gd name="adj" fmla="val 0"/>
+            </a:avLst>
+          </a:prstGeom>
+        </p:spPr>
+        <p:style>
+          <a:lnRef idx="1">
+            <a:schemeClr val="accent1"/>
+          </a:lnRef>
+          <a:fillRef idx="0">
+            <a:schemeClr val="accent1"/>
+          </a:fillRef>
+          <a:effectRef idx="0">
+            <a:schemeClr val="accent1"/>
+          </a:effectRef>
+          <a:fontRef idx="minor">
+            <a:schemeClr val="tx1"/>
+          </a:fontRef>
+        </p:style>
+        <p:txBody>
+          <a:bodyPr rtlCol="0" anchor="ctr"/>
+          <a:lstStyle/>
+          <a:p>
+            <a:pPr algn="ctr"/>
+            <a:r>
+              <a:rPr lang="ko-KR" altLang="en-US" dirty="0">
+                <a:highlight>
+                  <a:srgbClr val="FFFF00"/>
+                </a:highlight>
+              </a:rPr>
+              <a:t>계산영역</a:t>
+            </a:r>
+          </a:p>
+        </p:txBody>
+      </p:sp>
+      <p:sp>
+        <p:nvSpPr>
+          <p:cNvPr id="21" name="직사각형 20">
+            <a:extLst>
+              <a:ext uri="{FF2B5EF4-FFF2-40B4-BE49-F238E27FC236}">
+                <a16:creationId xmlns:a16="http://schemas.microsoft.com/office/drawing/2014/main" id="{B12F0CF0-637F-7D54-7145-60A4C451E21E}"/>
               </a:ext>
             </a:extLst>
           </p:cNvPr>
@@ -6274,19 +6768,19 @@
           <a:p>
             <a:pPr algn="ctr"/>
             <a:r>
-              <a:rPr lang="en-US" altLang="ko-KR"/>
-              <a:t>5</a:t>
-            </a:r>
-            <a:endParaRPr lang="ko-KR" altLang="en-US"/>
-          </a:p>
-        </p:txBody>
-      </p:sp>
-      <p:sp>
-        <p:nvSpPr>
-          <p:cNvPr id="9" name="직사각형 8">
-            <a:extLst>
-              <a:ext uri="{FF2B5EF4-FFF2-40B4-BE49-F238E27FC236}">
-                <a16:creationId xmlns:a16="http://schemas.microsoft.com/office/drawing/2014/main" id="{FB50FC11-BB39-2CDF-9880-C667667B9216}"/>
+              <a:rPr lang="en-US" altLang="ko-KR" dirty="0"/>
+              <a:t>6</a:t>
+            </a:r>
+            <a:endParaRPr lang="ko-KR" altLang="en-US" dirty="0"/>
+          </a:p>
+        </p:txBody>
+      </p:sp>
+      <p:sp>
+        <p:nvSpPr>
+          <p:cNvPr id="22" name="직사각형 21">
+            <a:extLst>
+              <a:ext uri="{FF2B5EF4-FFF2-40B4-BE49-F238E27FC236}">
+                <a16:creationId xmlns:a16="http://schemas.microsoft.com/office/drawing/2014/main" id="{D76A7EF1-0F38-C8D7-AD09-E79DE463CE19}"/>
               </a:ext>
             </a:extLst>
           </p:cNvPr>
@@ -6334,10 +6828,10 @@
       </p:sp>
       <p:sp>
         <p:nvSpPr>
-          <p:cNvPr id="10" name="직사각형 9">
-            <a:extLst>
-              <a:ext uri="{FF2B5EF4-FFF2-40B4-BE49-F238E27FC236}">
-                <a16:creationId xmlns:a16="http://schemas.microsoft.com/office/drawing/2014/main" id="{DF4B9DAC-5D2C-1E2D-DDD9-63F1D2D24C16}"/>
+          <p:cNvPr id="23" name="직사각형 22">
+            <a:extLst>
+              <a:ext uri="{FF2B5EF4-FFF2-40B4-BE49-F238E27FC236}">
+                <a16:creationId xmlns:a16="http://schemas.microsoft.com/office/drawing/2014/main" id="{52163C46-0F24-E2D6-97FF-77CAD00C7FA7}"/>
               </a:ext>
             </a:extLst>
           </p:cNvPr>
@@ -6385,10 +6879,10 @@
       </p:sp>
       <p:sp>
         <p:nvSpPr>
-          <p:cNvPr id="14" name="직사각형 13">
-            <a:extLst>
-              <a:ext uri="{FF2B5EF4-FFF2-40B4-BE49-F238E27FC236}">
-                <a16:creationId xmlns:a16="http://schemas.microsoft.com/office/drawing/2014/main" id="{98E37113-58DA-30E6-D252-B17CD1BBD9F0}"/>
+          <p:cNvPr id="26" name="직사각형 25">
+            <a:extLst>
+              <a:ext uri="{FF2B5EF4-FFF2-40B4-BE49-F238E27FC236}">
+                <a16:creationId xmlns:a16="http://schemas.microsoft.com/office/drawing/2014/main" id="{4FDF74C4-9DFB-290A-5774-B89C21E1CB75}"/>
               </a:ext>
             </a:extLst>
           </p:cNvPr>
@@ -6436,10 +6930,10 @@
       </p:sp>
       <p:sp>
         <p:nvSpPr>
-          <p:cNvPr id="15" name="직사각형 14">
-            <a:extLst>
-              <a:ext uri="{FF2B5EF4-FFF2-40B4-BE49-F238E27FC236}">
-                <a16:creationId xmlns:a16="http://schemas.microsoft.com/office/drawing/2014/main" id="{09B248ED-FBD7-7389-7DB6-E6EEFC40086F}"/>
+          <p:cNvPr id="27" name="직사각형 26">
+            <a:extLst>
+              <a:ext uri="{FF2B5EF4-FFF2-40B4-BE49-F238E27FC236}">
+                <a16:creationId xmlns:a16="http://schemas.microsoft.com/office/drawing/2014/main" id="{98BB025F-D0E5-8CD3-E92A-BCDC2EF73664}"/>
               </a:ext>
             </a:extLst>
           </p:cNvPr>
@@ -6487,10 +6981,10 @@
       </p:sp>
       <p:sp>
         <p:nvSpPr>
-          <p:cNvPr id="16" name="직사각형 15">
-            <a:extLst>
-              <a:ext uri="{FF2B5EF4-FFF2-40B4-BE49-F238E27FC236}">
-                <a16:creationId xmlns:a16="http://schemas.microsoft.com/office/drawing/2014/main" id="{CA620B46-038B-0FCC-5C58-3037F307A90E}"/>
+          <p:cNvPr id="28" name="직사각형 27">
+            <a:extLst>
+              <a:ext uri="{FF2B5EF4-FFF2-40B4-BE49-F238E27FC236}">
+                <a16:creationId xmlns:a16="http://schemas.microsoft.com/office/drawing/2014/main" id="{692AAC63-6BC2-A51F-A6D6-477D7B4698D0}"/>
               </a:ext>
             </a:extLst>
           </p:cNvPr>
@@ -6538,10 +7032,10 @@
       </p:sp>
       <p:sp>
         <p:nvSpPr>
-          <p:cNvPr id="17" name="직사각형 16">
-            <a:extLst>
-              <a:ext uri="{FF2B5EF4-FFF2-40B4-BE49-F238E27FC236}">
-                <a16:creationId xmlns:a16="http://schemas.microsoft.com/office/drawing/2014/main" id="{B0A3E11B-E982-494C-9BF1-C9FB321B2655}"/>
+          <p:cNvPr id="29" name="직사각형 28">
+            <a:extLst>
+              <a:ext uri="{FF2B5EF4-FFF2-40B4-BE49-F238E27FC236}">
+                <a16:creationId xmlns:a16="http://schemas.microsoft.com/office/drawing/2014/main" id="{71060A0E-60AF-2E2E-581D-6BBF743BD2F3}"/>
               </a:ext>
             </a:extLst>
           </p:cNvPr>
@@ -6589,82 +7083,10 @@
       </p:sp>
       <p:sp>
         <p:nvSpPr>
-          <p:cNvPr id="18" name="TextBox 17">
-            <a:extLst>
-              <a:ext uri="{FF2B5EF4-FFF2-40B4-BE49-F238E27FC236}">
-                <a16:creationId xmlns:a16="http://schemas.microsoft.com/office/drawing/2014/main" id="{69753E61-4136-43D5-A7C2-7F38B18F753A}"/>
-              </a:ext>
-            </a:extLst>
-          </p:cNvPr>
-          <p:cNvSpPr txBox="1"/>
-          <p:nvPr/>
-        </p:nvSpPr>
-        <p:spPr>
-          <a:xfrm>
-            <a:off x="1862354" y="5061729"/>
-            <a:ext cx="8030725" cy="1384995"/>
-          </a:xfrm>
-          <a:prstGeom prst="rect">
-            <a:avLst/>
-          </a:prstGeom>
-          <a:noFill/>
-        </p:spPr>
-        <p:txBody>
-          <a:bodyPr wrap="none" rtlCol="0">
-            <a:spAutoFit/>
-          </a:bodyPr>
-          <a:lstStyle/>
-          <a:p>
-            <a:pPr marL="457200" indent="-457200">
-              <a:buFont typeface="Arial" panose="020B0604020202020204" pitchFamily="34" charset="0"/>
-              <a:buChar char="•"/>
-            </a:pPr>
-            <a:r>
-              <a:rPr lang="ko-KR" altLang="en-US" sz="2800"/>
-              <a:t>가동유지 평균</a:t>
-            </a:r>
-            <a:r>
-              <a:rPr lang="en-US" altLang="ko-KR" sz="2800"/>
-              <a:t>(MTBF)     (3+5+3+5) / 4 = 4</a:t>
-            </a:r>
-          </a:p>
-          <a:p>
-            <a:pPr marL="457200" indent="-457200">
-              <a:buFont typeface="Arial" panose="020B0604020202020204" pitchFamily="34" charset="0"/>
-              <a:buChar char="•"/>
-            </a:pPr>
-            <a:r>
-              <a:rPr lang="ko-KR" altLang="en-US" sz="2800"/>
-              <a:t>비가동유지 평균</a:t>
-            </a:r>
-            <a:r>
-              <a:rPr lang="en-US" altLang="ko-KR" sz="2800"/>
-              <a:t>(MTTR)  (1+2+3+4) / 4 = 2.5</a:t>
-            </a:r>
-          </a:p>
-          <a:p>
-            <a:pPr marL="457200" indent="-457200">
-              <a:buFont typeface="Arial" panose="020B0604020202020204" pitchFamily="34" charset="0"/>
-              <a:buChar char="•"/>
-            </a:pPr>
-            <a:r>
-              <a:rPr lang="ko-KR" altLang="en-US" sz="2800"/>
-              <a:t>가동률 </a:t>
-            </a:r>
-            <a:r>
-              <a:rPr lang="en-US" altLang="ko-KR" sz="2800"/>
-              <a:t>= MTBF / (MTBF + MTTR) = 0.615</a:t>
-            </a:r>
-            <a:endParaRPr lang="ko-KR" altLang="en-US" sz="2800"/>
-          </a:p>
-        </p:txBody>
-      </p:sp>
-      <p:sp>
-        <p:nvSpPr>
-          <p:cNvPr id="19" name="직사각형 18">
-            <a:extLst>
-              <a:ext uri="{FF2B5EF4-FFF2-40B4-BE49-F238E27FC236}">
-                <a16:creationId xmlns:a16="http://schemas.microsoft.com/office/drawing/2014/main" id="{54173FE1-6B5B-7608-5D43-820D8A66F49C}"/>
+          <p:cNvPr id="30" name="직사각형 29">
+            <a:extLst>
+              <a:ext uri="{FF2B5EF4-FFF2-40B4-BE49-F238E27FC236}">
+                <a16:creationId xmlns:a16="http://schemas.microsoft.com/office/drawing/2014/main" id="{A8E79ABA-5B8A-0AD5-86F4-8235CF6974F5}"/>
               </a:ext>
             </a:extLst>
           </p:cNvPr>
@@ -6711,10 +7133,10 @@
       </p:sp>
       <p:sp>
         <p:nvSpPr>
-          <p:cNvPr id="20" name="직사각형 19">
-            <a:extLst>
-              <a:ext uri="{FF2B5EF4-FFF2-40B4-BE49-F238E27FC236}">
-                <a16:creationId xmlns:a16="http://schemas.microsoft.com/office/drawing/2014/main" id="{CDB039D3-8B0F-4C5A-EA57-D581B789B198}"/>
+          <p:cNvPr id="31" name="직사각형 30">
+            <a:extLst>
+              <a:ext uri="{FF2B5EF4-FFF2-40B4-BE49-F238E27FC236}">
+                <a16:creationId xmlns:a16="http://schemas.microsoft.com/office/drawing/2014/main" id="{D68F7215-159A-3289-C125-57D9A411A06C}"/>
               </a:ext>
             </a:extLst>
           </p:cNvPr>
@@ -6762,59 +7184,10 @@
       </p:sp>
       <p:sp>
         <p:nvSpPr>
-          <p:cNvPr id="24" name="양쪽 대괄호 23">
-            <a:extLst>
-              <a:ext uri="{FF2B5EF4-FFF2-40B4-BE49-F238E27FC236}">
-                <a16:creationId xmlns:a16="http://schemas.microsoft.com/office/drawing/2014/main" id="{F0A654B5-B2A5-3734-0F04-B36362B56A4F}"/>
-              </a:ext>
-            </a:extLst>
-          </p:cNvPr>
-          <p:cNvSpPr/>
-          <p:nvPr/>
-        </p:nvSpPr>
-        <p:spPr>
-          <a:xfrm>
-            <a:off x="831849" y="3485315"/>
-            <a:ext cx="8387652" cy="914400"/>
-          </a:xfrm>
-          <a:prstGeom prst="bracketPair">
-            <a:avLst>
-              <a:gd name="adj" fmla="val 0"/>
-            </a:avLst>
-          </a:prstGeom>
-        </p:spPr>
-        <p:style>
-          <a:lnRef idx="1">
-            <a:schemeClr val="accent1"/>
-          </a:lnRef>
-          <a:fillRef idx="0">
-            <a:schemeClr val="accent1"/>
-          </a:fillRef>
-          <a:effectRef idx="0">
-            <a:schemeClr val="accent1"/>
-          </a:effectRef>
-          <a:fontRef idx="minor">
-            <a:schemeClr val="tx1"/>
-          </a:fontRef>
-        </p:style>
-        <p:txBody>
-          <a:bodyPr rtlCol="0" anchor="ctr"/>
-          <a:lstStyle/>
-          <a:p>
-            <a:pPr algn="ctr"/>
-            <a:r>
-              <a:rPr lang="ko-KR" altLang="en-US"/>
-              <a:t>조회기간</a:t>
-            </a:r>
-          </a:p>
-        </p:txBody>
-      </p:sp>
-      <p:sp>
-        <p:nvSpPr>
-          <p:cNvPr id="25" name="직사각형 24">
-            <a:extLst>
-              <a:ext uri="{FF2B5EF4-FFF2-40B4-BE49-F238E27FC236}">
-                <a16:creationId xmlns:a16="http://schemas.microsoft.com/office/drawing/2014/main" id="{C6038EA6-01A4-D2F5-F180-3E15AF4B973A}"/>
+          <p:cNvPr id="32" name="직사각형 31">
+            <a:extLst>
+              <a:ext uri="{FF2B5EF4-FFF2-40B4-BE49-F238E27FC236}">
+                <a16:creationId xmlns:a16="http://schemas.microsoft.com/office/drawing/2014/main" id="{363DC3E8-82D4-F591-E6C0-452C8109C901}"/>
               </a:ext>
             </a:extLst>
           </p:cNvPr>
